--- a/RShiny_Slides.pptx
+++ b/RShiny_Slides.pptx
@@ -117,6 +117,11 @@
       </a:defRPr>
     </a:lvl9pPr>
   </p:defaultTextStyle>
+  <p:extLst>
+    <p:ext uri="{EFAFB233-063F-42B5-8137-9DF3F51BA10A}">
+      <p15:sldGuideLst xmlns:p15="http://schemas.microsoft.com/office/powerpoint/2012/main"/>
+    </p:ext>
+  </p:extLst>
 </p:presentation>
 </file>
 
@@ -276,7 +281,7 @@
             <a:fld id="{11A6662E-FAF4-44BC-88B5-85A7CBFB6D30}" type="datetime1">
               <a:rPr lang="en-US" smtClean="0"/>
               <a:pPr/>
-              <a:t>4/3/2021</a:t>
+              <a:t>4/4/2021</a:t>
             </a:fld>
             <a:endParaRPr lang="en-US"/>
           </a:p>
@@ -487,7 +492,7 @@
           <a:p>
             <a:fld id="{4C559632-1575-4E14-B53B-3DC3D5ED3947}" type="datetime1">
               <a:rPr lang="en-US" smtClean="0"/>
-              <a:t>4/3/2021</a:t>
+              <a:t>4/4/2021</a:t>
             </a:fld>
             <a:endParaRPr lang="en-US"/>
           </a:p>
@@ -695,7 +700,7 @@
           <a:p>
             <a:fld id="{CC4A6868-2568-4CC9-B302-F37117B01A6E}" type="datetime1">
               <a:rPr lang="en-US" smtClean="0"/>
-              <a:t>4/3/2021</a:t>
+              <a:t>4/4/2021</a:t>
             </a:fld>
             <a:endParaRPr lang="en-US"/>
           </a:p>
@@ -898,7 +903,7 @@
           <a:p>
             <a:fld id="{0055F08A-1E71-4B2B-BB49-E743F2903911}" type="datetime1">
               <a:rPr lang="en-US" smtClean="0"/>
-              <a:t>4/3/2021</a:t>
+              <a:t>4/4/2021</a:t>
             </a:fld>
             <a:endParaRPr lang="en-US" dirty="0"/>
           </a:p>
@@ -1172,7 +1177,7 @@
           <a:p>
             <a:fld id="{15417D9E-721A-44BB-8863-9873FE64DA75}" type="datetime1">
               <a:rPr lang="en-US" smtClean="0"/>
-              <a:t>4/3/2021</a:t>
+              <a:t>4/4/2021</a:t>
             </a:fld>
             <a:endParaRPr lang="en-US"/>
           </a:p>
@@ -1442,7 +1447,7 @@
           <a:p>
             <a:fld id="{5F31DA2F-80B8-49CF-99FB-5ABCA53A607A}" type="datetime1">
               <a:rPr lang="en-US" smtClean="0"/>
-              <a:t>4/3/2021</a:t>
+              <a:t>4/4/2021</a:t>
             </a:fld>
             <a:endParaRPr lang="en-US"/>
           </a:p>
@@ -1855,7 +1860,7 @@
           <a:p>
             <a:fld id="{28852172-E6C9-4B6C-929A-A9DE3837BBF1}" type="datetime1">
               <a:rPr lang="en-US" smtClean="0"/>
-              <a:t>4/3/2021</a:t>
+              <a:t>4/4/2021</a:t>
             </a:fld>
             <a:endParaRPr lang="en-US"/>
           </a:p>
@@ -2001,7 +2006,7 @@
           <a:p>
             <a:fld id="{3AB41CFF-90C9-47B3-9DA1-F2BF8D839F7E}" type="datetime1">
               <a:rPr lang="en-US" smtClean="0"/>
-              <a:t>4/3/2021</a:t>
+              <a:t>4/4/2021</a:t>
             </a:fld>
             <a:endParaRPr lang="en-US"/>
           </a:p>
@@ -2114,7 +2119,7 @@
           <a:p>
             <a:fld id="{F06048FA-06AB-4884-A69B-986B96E68A24}" type="datetime1">
               <a:rPr lang="en-US" smtClean="0"/>
-              <a:t>4/3/2021</a:t>
+              <a:t>4/4/2021</a:t>
             </a:fld>
             <a:endParaRPr lang="en-US"/>
           </a:p>
@@ -2425,7 +2430,7 @@
           <a:p>
             <a:fld id="{50DB7ABA-0172-4F9C-889D-567164F66BCD}" type="datetime1">
               <a:rPr lang="en-US" smtClean="0"/>
-              <a:t>4/3/2021</a:t>
+              <a:t>4/4/2021</a:t>
             </a:fld>
             <a:endParaRPr lang="en-US"/>
           </a:p>
@@ -2716,7 +2721,7 @@
           <a:p>
             <a:fld id="{78AC6A5B-8AE7-4A41-B5A7-9ADC6686DC18}" type="datetime1">
               <a:rPr lang="en-US" smtClean="0"/>
-              <a:t>4/3/2021</a:t>
+              <a:t>4/4/2021</a:t>
             </a:fld>
             <a:endParaRPr lang="en-US"/>
           </a:p>
@@ -3062,7 +3067,7 @@
             <a:fld id="{57E0CF6C-748E-4B7A-BC8B-3011EF78ED13}" type="datetime1">
               <a:rPr lang="en-US" smtClean="0"/>
               <a:pPr/>
-              <a:t>4/3/2021</a:t>
+              <a:t>4/4/2021</a:t>
             </a:fld>
             <a:endParaRPr lang="en-US" dirty="0"/>
           </a:p>
@@ -3722,21 +3727,8 @@
                   <a:schemeClr val="tx2"/>
                 </a:solidFill>
               </a:rPr>
-              <a:t>by Justin </a:t>
-            </a:r>
-            <a:r>
-              <a:rPr lang="en-SG" sz="2200" dirty="0" err="1">
-                <a:solidFill>
-                  <a:schemeClr val="tx2"/>
-                </a:solidFill>
-              </a:rPr>
-              <a:t>chan</a:t>
-            </a:r>
-            <a:endParaRPr lang="en-SG" sz="2200" dirty="0">
-              <a:solidFill>
-                <a:schemeClr val="tx2"/>
-              </a:solidFill>
-            </a:endParaRPr>
+              <a:t>by Justin Chan</a:t>
+            </a:r>
           </a:p>
         </p:txBody>
       </p:sp>
@@ -7192,7 +7184,9 @@
           </a:xfrm>
         </p:spPr>
         <p:txBody>
-          <a:bodyPr/>
+          <a:bodyPr>
+            <a:normAutofit fontScale="92500" lnSpcReduction="20000"/>
+          </a:bodyPr>
           <a:lstStyle/>
           <a:p>
             <a:r>
@@ -7213,6 +7207,12 @@
             <a:r>
               <a:rPr lang="en-SG" dirty="0"/>
               <a:t>Sometimes, there is a “bad signature” error. </a:t>
+            </a:r>
+          </a:p>
+          <a:p>
+            <a:r>
+              <a:rPr lang="en-SG" b="1" u="sng" dirty="0"/>
+              <a:t>Remember to ‘Show Secret’!!</a:t>
             </a:r>
           </a:p>
           <a:p>
@@ -7357,7 +7357,7 @@
             </a:br>
             <a:r>
               <a:rPr lang="en-SG" dirty="0"/>
-              <a:t>&gt; Connect &gt; shinyapps.io &gt; Paste Token</a:t>
+              <a:t>&gt; Publishing &gt; Connect &gt; shinyapps.io &gt; Paste Token</a:t>
             </a:r>
           </a:p>
         </p:txBody>
